--- a/technical.pptx
+++ b/technical.pptx
@@ -20825,11 +20825,11 @@
             </a:pPr>
             <a:r>
               <a:rPr lang="en-US" sz="2400" dirty="0"/>
-              <a:t>Application Features</a:t>
+              <a:t>User profile and context</a:t>
             </a:r>
           </a:p>
           <a:p>
-            <a:pPr marL="285750" indent="-285750" defTabSz="914400">
+            <a:pPr marL="742950" lvl="1" indent="-285750" defTabSz="914400">
               <a:lnSpc>
                 <a:spcPct val="90000"/>
               </a:lnSpc>
@@ -20844,11 +20844,11 @@
             </a:pPr>
             <a:r>
               <a:rPr lang="en-US" sz="2400" dirty="0"/>
-              <a:t>Technical challenges addressed</a:t>
+              <a:t>Profile</a:t>
             </a:r>
           </a:p>
           <a:p>
-            <a:pPr marL="285750" indent="-285750" defTabSz="914400">
+            <a:pPr marL="742950" lvl="1" indent="-285750" defTabSz="914400">
               <a:lnSpc>
                 <a:spcPct val="90000"/>
               </a:lnSpc>
@@ -20863,17 +20863,55 @@
             </a:pPr>
             <a:r>
               <a:rPr lang="en-US" sz="2400" dirty="0"/>
-              <a:t>Solutions implemented in code</a:t>
+              <a:t>Organizational Hierarchy</a:t>
+            </a:r>
+          </a:p>
+          <a:p>
+            <a:pPr marL="742950" lvl="1" indent="-285750" defTabSz="914400">
+              <a:lnSpc>
+                <a:spcPct val="90000"/>
+              </a:lnSpc>
+              <a:spcAft>
+                <a:spcPts val="600"/>
+              </a:spcAft>
+              <a:buClr>
+                <a:schemeClr val="accent1"/>
+              </a:buClr>
+              <a:buFont typeface="Arial" panose="020B0604020202020204" pitchFamily="34" charset="0"/>
+              <a:buChar char="•"/>
+            </a:pPr>
+            <a:r>
+              <a:rPr lang="en-US" sz="2400" dirty="0"/>
+              <a:t>Thought Process</a:t>
+            </a:r>
+          </a:p>
+          <a:p>
+            <a:pPr marL="742950" lvl="1" indent="-285750" defTabSz="914400">
+              <a:lnSpc>
+                <a:spcPct val="90000"/>
+              </a:lnSpc>
+              <a:spcAft>
+                <a:spcPts val="600"/>
+              </a:spcAft>
+              <a:buClr>
+                <a:schemeClr val="accent1"/>
+              </a:buClr>
+              <a:buFont typeface="Arial" panose="020B0604020202020204" pitchFamily="34" charset="0"/>
+              <a:buChar char="•"/>
+            </a:pPr>
+            <a:r>
+              <a:rPr lang="en-US" sz="2400" dirty="0"/>
+              <a:t>Assumed Knowledge</a:t>
             </a:r>
           </a:p>
         </p:txBody>
       </p:sp>
       <p:pic>
         <p:nvPicPr>
-          <p:cNvPr id="4" name="Picture 4">
+          <p:cNvPr id="1028" name="Picture 4">
             <a:extLst>
               <a:ext uri="{FF2B5EF4-FFF2-40B4-BE49-F238E27FC236}">
-                <a16:creationId xmlns:a16="http://schemas.microsoft.com/office/drawing/2014/main" id="{1F39FD57-0760-3CB1-7282-65A588804761}"/>
+                <a16:creationId xmlns:a16="http://schemas.microsoft.com/office/drawing/2014/main" id="{3DAE0037-5A26-F94B-88D1-EF350FD59721}"/>
               </a:ext>
             </a:extLst>
           </p:cNvPr>
@@ -20890,14 +20928,15 @@
               </a:ext>
             </a:extLst>
           </a:blip>
+          <a:srcRect/>
           <a:stretch>
             <a:fillRect/>
           </a:stretch>
         </p:blipFill>
         <p:spPr bwMode="auto">
           <a:xfrm>
-            <a:off x="6096000" y="1342110"/>
-            <a:ext cx="5455921" cy="4173779"/>
+            <a:off x="5453743" y="585216"/>
+            <a:ext cx="6525351" cy="6031676"/>
           </a:xfrm>
           <a:prstGeom prst="rect">
             <a:avLst/>
@@ -20973,53 +21012,6 @@
           </a:p>
         </p:txBody>
       </p:sp>
-      <p:pic>
-        <p:nvPicPr>
-          <p:cNvPr id="1032" name="Picture 8">
-            <a:extLst>
-              <a:ext uri="{FF2B5EF4-FFF2-40B4-BE49-F238E27FC236}">
-                <a16:creationId xmlns:a16="http://schemas.microsoft.com/office/drawing/2014/main" id="{802655BD-4A20-59F3-CAF3-ACA24068D03D}"/>
-              </a:ext>
-            </a:extLst>
-          </p:cNvPr>
-          <p:cNvPicPr>
-            <a:picLocks noChangeAspect="1" noChangeArrowheads="1"/>
-          </p:cNvPicPr>
-          <p:nvPr/>
-        </p:nvPicPr>
-        <p:blipFill>
-          <a:blip r:embed="rId2">
-            <a:extLst>
-              <a:ext uri="{28A0092B-C50C-407E-A947-70E740481C1C}">
-                <a14:useLocalDpi xmlns:a14="http://schemas.microsoft.com/office/drawing/2010/main" val="0"/>
-              </a:ext>
-            </a:extLst>
-          </a:blip>
-          <a:srcRect/>
-          <a:stretch>
-            <a:fillRect/>
-          </a:stretch>
-        </p:blipFill>
-        <p:spPr bwMode="auto">
-          <a:xfrm>
-            <a:off x="5221869" y="1701772"/>
-            <a:ext cx="6743205" cy="4773168"/>
-          </a:xfrm>
-          <a:prstGeom prst="rect">
-            <a:avLst/>
-          </a:prstGeom>
-          <a:noFill/>
-          <a:extLst>
-            <a:ext uri="{909E8E84-426E-40DD-AFC4-6F175D3DCCD1}">
-              <a14:hiddenFill xmlns:a14="http://schemas.microsoft.com/office/drawing/2010/main">
-                <a:solidFill>
-                  <a:srgbClr val="FFFFFF"/>
-                </a:solidFill>
-              </a14:hiddenFill>
-            </a:ext>
-          </a:extLst>
-        </p:spPr>
-      </p:pic>
       <p:sp>
         <p:nvSpPr>
           <p:cNvPr id="6" name="TextBox 5">
@@ -21062,7 +21054,7 @@
             </a:pPr>
             <a:r>
               <a:rPr lang="en-US" sz="2400" dirty="0"/>
-              <a:t>Decision support</a:t>
+              <a:t>Key areas of responsibility</a:t>
             </a:r>
           </a:p>
           <a:p>
@@ -21081,7 +21073,7 @@
             </a:pPr>
             <a:r>
               <a:rPr lang="en-US" sz="2400" dirty="0"/>
-              <a:t>Need implementation in application</a:t>
+              <a:t>Does application meet the needs?</a:t>
             </a:r>
           </a:p>
           <a:p>
@@ -21100,49 +21092,58 @@
             </a:pPr>
             <a:r>
               <a:rPr lang="en-US" sz="2400" dirty="0"/>
-              <a:t>Technical Challenges addressed in code</a:t>
-            </a:r>
-          </a:p>
-          <a:p>
-            <a:pPr marL="285750" indent="-285750" defTabSz="914400">
-              <a:lnSpc>
-                <a:spcPct val="90000"/>
-              </a:lnSpc>
-              <a:spcAft>
-                <a:spcPts val="600"/>
-              </a:spcAft>
-              <a:buClr>
-                <a:schemeClr val="accent1"/>
-              </a:buClr>
-              <a:buFont typeface="Arial" panose="020B0604020202020204" pitchFamily="34" charset="0"/>
-              <a:buChar char="•"/>
-            </a:pPr>
-            <a:r>
-              <a:rPr lang="en-US" sz="2400" dirty="0"/>
-              <a:t>Solutions implemented</a:t>
-            </a:r>
-          </a:p>
-          <a:p>
-            <a:pPr marL="285750" indent="-285750" defTabSz="914400">
-              <a:lnSpc>
-                <a:spcPct val="90000"/>
-              </a:lnSpc>
-              <a:spcAft>
-                <a:spcPts val="600"/>
-              </a:spcAft>
-              <a:buClr>
-                <a:schemeClr val="accent1"/>
-              </a:buClr>
-              <a:buFont typeface="Arial" panose="020B0604020202020204" pitchFamily="34" charset="0"/>
-              <a:buChar char="•"/>
-            </a:pPr>
-            <a:r>
-              <a:rPr lang="en-US" sz="2400" dirty="0"/>
-              <a:t>Relevant Coursework</a:t>
+              <a:t>Arrival at Decision Needs</a:t>
             </a:r>
           </a:p>
         </p:txBody>
       </p:sp>
+      <p:pic>
+        <p:nvPicPr>
+          <p:cNvPr id="2050" name="Picture 2">
+            <a:extLst>
+              <a:ext uri="{FF2B5EF4-FFF2-40B4-BE49-F238E27FC236}">
+                <a16:creationId xmlns:a16="http://schemas.microsoft.com/office/drawing/2014/main" id="{0C9E0CCF-7912-1BA4-5007-69A32FC7F03B}"/>
+              </a:ext>
+            </a:extLst>
+          </p:cNvPr>
+          <p:cNvPicPr>
+            <a:picLocks noChangeAspect="1" noChangeArrowheads="1"/>
+          </p:cNvPicPr>
+          <p:nvPr/>
+        </p:nvPicPr>
+        <p:blipFill>
+          <a:blip r:embed="rId2">
+            <a:extLst>
+              <a:ext uri="{28A0092B-C50C-407E-A947-70E740481C1C}">
+                <a14:useLocalDpi xmlns:a14="http://schemas.microsoft.com/office/drawing/2010/main" val="0"/>
+              </a:ext>
+            </a:extLst>
+          </a:blip>
+          <a:srcRect/>
+          <a:stretch>
+            <a:fillRect/>
+          </a:stretch>
+        </p:blipFill>
+        <p:spPr bwMode="auto">
+          <a:xfrm>
+            <a:off x="5341158" y="783771"/>
+            <a:ext cx="6488666" cy="5603966"/>
+          </a:xfrm>
+          <a:prstGeom prst="rect">
+            <a:avLst/>
+          </a:prstGeom>
+          <a:noFill/>
+          <a:extLst>
+            <a:ext uri="{909E8E84-426E-40DD-AFC4-6F175D3DCCD1}">
+              <a14:hiddenFill xmlns:a14="http://schemas.microsoft.com/office/drawing/2010/main">
+                <a:solidFill>
+                  <a:srgbClr val="FFFFFF"/>
+                </a:solidFill>
+              </a14:hiddenFill>
+            </a:ext>
+          </a:extLst>
+        </p:spPr>
+      </p:pic>
     </p:spTree>
     <p:extLst>
       <p:ext uri="{BB962C8B-B14F-4D97-AF65-F5344CB8AC3E}">
@@ -21201,53 +21202,6 @@
           </a:p>
         </p:txBody>
       </p:sp>
-      <p:pic>
-        <p:nvPicPr>
-          <p:cNvPr id="3074" name="Picture 2">
-            <a:extLst>
-              <a:ext uri="{FF2B5EF4-FFF2-40B4-BE49-F238E27FC236}">
-                <a16:creationId xmlns:a16="http://schemas.microsoft.com/office/drawing/2014/main" id="{60CF2BEB-9585-F637-6F8A-F5DFBE348856}"/>
-              </a:ext>
-            </a:extLst>
-          </p:cNvPr>
-          <p:cNvPicPr>
-            <a:picLocks noChangeAspect="1" noChangeArrowheads="1"/>
-          </p:cNvPicPr>
-          <p:nvPr/>
-        </p:nvPicPr>
-        <p:blipFill>
-          <a:blip r:embed="rId2">
-            <a:extLst>
-              <a:ext uri="{28A0092B-C50C-407E-A947-70E740481C1C}">
-                <a14:useLocalDpi xmlns:a14="http://schemas.microsoft.com/office/drawing/2010/main" val="0"/>
-              </a:ext>
-            </a:extLst>
-          </a:blip>
-          <a:srcRect/>
-          <a:stretch>
-            <a:fillRect/>
-          </a:stretch>
-        </p:blipFill>
-        <p:spPr bwMode="auto">
-          <a:xfrm>
-            <a:off x="6343601" y="1519881"/>
-            <a:ext cx="5071425" cy="5016843"/>
-          </a:xfrm>
-          <a:prstGeom prst="rect">
-            <a:avLst/>
-          </a:prstGeom>
-          <a:noFill/>
-          <a:extLst>
-            <a:ext uri="{909E8E84-426E-40DD-AFC4-6F175D3DCCD1}">
-              <a14:hiddenFill xmlns:a14="http://schemas.microsoft.com/office/drawing/2010/main">
-                <a:solidFill>
-                  <a:srgbClr val="FFFFFF"/>
-                </a:solidFill>
-              </a14:hiddenFill>
-            </a:ext>
-          </a:extLst>
-        </p:spPr>
-      </p:pic>
       <p:sp>
         <p:nvSpPr>
           <p:cNvPr id="3" name="TextBox 2">
@@ -21290,7 +21244,7 @@
             </a:pPr>
             <a:r>
               <a:rPr lang="en-US" sz="2400" dirty="0"/>
-              <a:t>Process implemented in code</a:t>
+              <a:t>Data identification</a:t>
             </a:r>
           </a:p>
           <a:p>
@@ -21309,7 +21263,7 @@
             </a:pPr>
             <a:r>
               <a:rPr lang="en-US" sz="2400" dirty="0"/>
-              <a:t>Technical Challenges addressed in code</a:t>
+              <a:t>Data validation</a:t>
             </a:r>
           </a:p>
           <a:p>
@@ -21328,30 +21282,58 @@
             </a:pPr>
             <a:r>
               <a:rPr lang="en-US" sz="2400" dirty="0"/>
-              <a:t>Solutions implemented in code</a:t>
-            </a:r>
-          </a:p>
-          <a:p>
-            <a:pPr marL="285750" indent="-285750" defTabSz="914400">
-              <a:lnSpc>
-                <a:spcPct val="90000"/>
-              </a:lnSpc>
-              <a:spcAft>
-                <a:spcPts val="600"/>
-              </a:spcAft>
-              <a:buClr>
-                <a:schemeClr val="accent1"/>
-              </a:buClr>
-              <a:buFont typeface="Arial" panose="020B0604020202020204" pitchFamily="34" charset="0"/>
-              <a:buChar char="•"/>
-            </a:pPr>
-            <a:r>
-              <a:rPr lang="en-US" sz="2400" dirty="0"/>
-              <a:t>Relevant coursework</a:t>
+              <a:t>Data Transformation/computation</a:t>
             </a:r>
           </a:p>
         </p:txBody>
       </p:sp>
+      <p:pic>
+        <p:nvPicPr>
+          <p:cNvPr id="3078" name="Picture 6">
+            <a:extLst>
+              <a:ext uri="{FF2B5EF4-FFF2-40B4-BE49-F238E27FC236}">
+                <a16:creationId xmlns:a16="http://schemas.microsoft.com/office/drawing/2014/main" id="{0D86F52A-6763-CE73-F428-29822D3C5886}"/>
+              </a:ext>
+            </a:extLst>
+          </p:cNvPr>
+          <p:cNvPicPr>
+            <a:picLocks noChangeAspect="1" noChangeArrowheads="1"/>
+          </p:cNvPicPr>
+          <p:nvPr/>
+        </p:nvPicPr>
+        <p:blipFill>
+          <a:blip r:embed="rId2">
+            <a:extLst>
+              <a:ext uri="{28A0092B-C50C-407E-A947-70E740481C1C}">
+                <a14:useLocalDpi xmlns:a14="http://schemas.microsoft.com/office/drawing/2010/main" val="0"/>
+              </a:ext>
+            </a:extLst>
+          </a:blip>
+          <a:srcRect/>
+          <a:stretch>
+            <a:fillRect/>
+          </a:stretch>
+        </p:blipFill>
+        <p:spPr bwMode="auto">
+          <a:xfrm>
+            <a:off x="5602287" y="632242"/>
+            <a:ext cx="6589713" cy="6858000"/>
+          </a:xfrm>
+          <a:prstGeom prst="rect">
+            <a:avLst/>
+          </a:prstGeom>
+          <a:noFill/>
+          <a:extLst>
+            <a:ext uri="{909E8E84-426E-40DD-AFC4-6F175D3DCCD1}">
+              <a14:hiddenFill xmlns:a14="http://schemas.microsoft.com/office/drawing/2010/main">
+                <a:solidFill>
+                  <a:srgbClr val="FFFFFF"/>
+                </a:solidFill>
+              </a14:hiddenFill>
+            </a:ext>
+          </a:extLst>
+        </p:spPr>
+      </p:pic>
     </p:spTree>
     <p:extLst>
       <p:ext uri="{BB962C8B-B14F-4D97-AF65-F5344CB8AC3E}">
@@ -21410,53 +21392,6 @@
           </a:p>
         </p:txBody>
       </p:sp>
-      <p:pic>
-        <p:nvPicPr>
-          <p:cNvPr id="4098" name="Picture 2">
-            <a:extLst>
-              <a:ext uri="{FF2B5EF4-FFF2-40B4-BE49-F238E27FC236}">
-                <a16:creationId xmlns:a16="http://schemas.microsoft.com/office/drawing/2014/main" id="{8A9989BA-4517-4ED9-AEDF-5E76EE6E49BC}"/>
-              </a:ext>
-            </a:extLst>
-          </p:cNvPr>
-          <p:cNvPicPr>
-            <a:picLocks noChangeAspect="1" noChangeArrowheads="1"/>
-          </p:cNvPicPr>
-          <p:nvPr/>
-        </p:nvPicPr>
-        <p:blipFill>
-          <a:blip r:embed="rId2">
-            <a:extLst>
-              <a:ext uri="{28A0092B-C50C-407E-A947-70E740481C1C}">
-                <a14:useLocalDpi xmlns:a14="http://schemas.microsoft.com/office/drawing/2010/main" val="0"/>
-              </a:ext>
-            </a:extLst>
-          </a:blip>
-          <a:srcRect/>
-          <a:stretch>
-            <a:fillRect/>
-          </a:stretch>
-        </p:blipFill>
-        <p:spPr bwMode="auto">
-          <a:xfrm>
-            <a:off x="6919177" y="729049"/>
-            <a:ext cx="4563426" cy="6030591"/>
-          </a:xfrm>
-          <a:prstGeom prst="rect">
-            <a:avLst/>
-          </a:prstGeom>
-          <a:noFill/>
-          <a:extLst>
-            <a:ext uri="{909E8E84-426E-40DD-AFC4-6F175D3DCCD1}">
-              <a14:hiddenFill xmlns:a14="http://schemas.microsoft.com/office/drawing/2010/main">
-                <a:solidFill>
-                  <a:srgbClr val="FFFFFF"/>
-                </a:solidFill>
-              </a14:hiddenFill>
-            </a:ext>
-          </a:extLst>
-        </p:spPr>
-      </p:pic>
       <p:sp>
         <p:nvSpPr>
           <p:cNvPr id="3" name="TextBox 2">
@@ -21499,7 +21434,7 @@
             </a:pPr>
             <a:r>
               <a:rPr lang="en-US" sz="2400" dirty="0"/>
-              <a:t>Design implementation highlights</a:t>
+              <a:t>/model page</a:t>
             </a:r>
           </a:p>
           <a:p>
@@ -21518,7 +21453,7 @@
             </a:pPr>
             <a:r>
               <a:rPr lang="en-US" sz="2400" dirty="0"/>
-              <a:t>Technical challenges addressed in code</a:t>
+              <a:t>/reports page</a:t>
             </a:r>
           </a:p>
           <a:p>
@@ -21537,30 +21472,58 @@
             </a:pPr>
             <a:r>
               <a:rPr lang="en-US" sz="2400" dirty="0"/>
-              <a:t>Solutions implemented in code</a:t>
-            </a:r>
-          </a:p>
-          <a:p>
-            <a:pPr marL="285750" indent="-285750" defTabSz="914400">
-              <a:lnSpc>
-                <a:spcPct val="90000"/>
-              </a:lnSpc>
-              <a:spcAft>
-                <a:spcPts val="600"/>
-              </a:spcAft>
-              <a:buClr>
-                <a:schemeClr val="accent1"/>
-              </a:buClr>
-              <a:buFont typeface="Arial" panose="020B0604020202020204" pitchFamily="34" charset="0"/>
-              <a:buChar char="•"/>
-            </a:pPr>
-            <a:r>
-              <a:rPr lang="en-US" sz="2400" dirty="0"/>
-              <a:t>Relevant Coursework</a:t>
+              <a:t>interactions</a:t>
             </a:r>
           </a:p>
         </p:txBody>
       </p:sp>
+      <p:pic>
+        <p:nvPicPr>
+          <p:cNvPr id="4" name="Picture 2">
+            <a:extLst>
+              <a:ext uri="{FF2B5EF4-FFF2-40B4-BE49-F238E27FC236}">
+                <a16:creationId xmlns:a16="http://schemas.microsoft.com/office/drawing/2014/main" id="{99C8195B-CCCB-EE82-199B-B77C7166E57D}"/>
+              </a:ext>
+            </a:extLst>
+          </p:cNvPr>
+          <p:cNvPicPr>
+            <a:picLocks noChangeAspect="1" noChangeArrowheads="1"/>
+          </p:cNvPicPr>
+          <p:nvPr/>
+        </p:nvPicPr>
+        <p:blipFill>
+          <a:blip r:embed="rId2">
+            <a:extLst>
+              <a:ext uri="{28A0092B-C50C-407E-A947-70E740481C1C}">
+                <a14:useLocalDpi xmlns:a14="http://schemas.microsoft.com/office/drawing/2010/main" val="0"/>
+              </a:ext>
+            </a:extLst>
+          </a:blip>
+          <a:srcRect/>
+          <a:stretch>
+            <a:fillRect/>
+          </a:stretch>
+        </p:blipFill>
+        <p:spPr bwMode="auto">
+          <a:xfrm>
+            <a:off x="5453743" y="694944"/>
+            <a:ext cx="6348549" cy="5577840"/>
+          </a:xfrm>
+          <a:prstGeom prst="rect">
+            <a:avLst/>
+          </a:prstGeom>
+          <a:noFill/>
+          <a:extLst>
+            <a:ext uri="{909E8E84-426E-40DD-AFC4-6F175D3DCCD1}">
+              <a14:hiddenFill xmlns:a14="http://schemas.microsoft.com/office/drawing/2010/main">
+                <a:solidFill>
+                  <a:srgbClr val="FFFFFF"/>
+                </a:solidFill>
+              </a14:hiddenFill>
+            </a:ext>
+          </a:extLst>
+        </p:spPr>
+      </p:pic>
     </p:spTree>
     <p:extLst>
       <p:ext uri="{BB962C8B-B14F-4D97-AF65-F5344CB8AC3E}">
@@ -21614,58 +21577,11 @@
           <a:p>
             <a:r>
               <a:rPr lang="en-US" cap="none" dirty="0"/>
-              <a:t>Final reflection</a:t>
+              <a:t>Validation and Verification</a:t>
             </a:r>
           </a:p>
         </p:txBody>
       </p:sp>
-      <p:pic>
-        <p:nvPicPr>
-          <p:cNvPr id="5122" name="Picture 2">
-            <a:extLst>
-              <a:ext uri="{FF2B5EF4-FFF2-40B4-BE49-F238E27FC236}">
-                <a16:creationId xmlns:a16="http://schemas.microsoft.com/office/drawing/2014/main" id="{20AFFF96-7E09-768C-A4D0-17C88D9FBD9F}"/>
-              </a:ext>
-            </a:extLst>
-          </p:cNvPr>
-          <p:cNvPicPr>
-            <a:picLocks noChangeAspect="1" noChangeArrowheads="1"/>
-          </p:cNvPicPr>
-          <p:nvPr/>
-        </p:nvPicPr>
-        <p:blipFill>
-          <a:blip r:embed="rId2">
-            <a:extLst>
-              <a:ext uri="{28A0092B-C50C-407E-A947-70E740481C1C}">
-                <a14:useLocalDpi xmlns:a14="http://schemas.microsoft.com/office/drawing/2010/main" val="0"/>
-              </a:ext>
-            </a:extLst>
-          </a:blip>
-          <a:srcRect/>
-          <a:stretch>
-            <a:fillRect/>
-          </a:stretch>
-        </p:blipFill>
-        <p:spPr bwMode="auto">
-          <a:xfrm>
-            <a:off x="4590543" y="1198605"/>
-            <a:ext cx="7293525" cy="5449330"/>
-          </a:xfrm>
-          <a:prstGeom prst="rect">
-            <a:avLst/>
-          </a:prstGeom>
-          <a:noFill/>
-          <a:extLst>
-            <a:ext uri="{909E8E84-426E-40DD-AFC4-6F175D3DCCD1}">
-              <a14:hiddenFill xmlns:a14="http://schemas.microsoft.com/office/drawing/2010/main">
-                <a:solidFill>
-                  <a:srgbClr val="FFFFFF"/>
-                </a:solidFill>
-              </a14:hiddenFill>
-            </a:ext>
-          </a:extLst>
-        </p:spPr>
-      </p:pic>
       <p:sp>
         <p:nvSpPr>
           <p:cNvPr id="3" name="TextBox 2">
@@ -21708,7 +21624,7 @@
             </a:pPr>
             <a:r>
               <a:rPr lang="en-US" sz="2400" dirty="0"/>
-              <a:t>Project Charter</a:t>
+              <a:t>Rationale for satisfying needs.</a:t>
             </a:r>
           </a:p>
           <a:p>
@@ -21727,7 +21643,7 @@
             </a:pPr>
             <a:r>
               <a:rPr lang="en-US" sz="2400" dirty="0"/>
-              <a:t>Teamwork</a:t>
+              <a:t>Verification using Traceability matrix</a:t>
             </a:r>
           </a:p>
           <a:p>
@@ -21746,49 +21662,58 @@
             </a:pPr>
             <a:r>
               <a:rPr lang="en-US" sz="2400" dirty="0"/>
-              <a:t>Domain Knowledge</a:t>
-            </a:r>
-          </a:p>
-          <a:p>
-            <a:pPr marL="285750" indent="-285750" defTabSz="914400">
-              <a:lnSpc>
-                <a:spcPct val="90000"/>
-              </a:lnSpc>
-              <a:spcAft>
-                <a:spcPts val="600"/>
-              </a:spcAft>
-              <a:buClr>
-                <a:schemeClr val="accent1"/>
-              </a:buClr>
-              <a:buFont typeface="Arial" panose="020B0604020202020204" pitchFamily="34" charset="0"/>
-              <a:buChar char="•"/>
-            </a:pPr>
-            <a:r>
-              <a:rPr lang="en-US" sz="2400" dirty="0"/>
-              <a:t>Self-Efficacy</a:t>
-            </a:r>
-          </a:p>
-          <a:p>
-            <a:pPr marL="285750" indent="-285750" defTabSz="914400">
-              <a:lnSpc>
-                <a:spcPct val="90000"/>
-              </a:lnSpc>
-              <a:spcAft>
-                <a:spcPts val="600"/>
-              </a:spcAft>
-              <a:buClr>
-                <a:schemeClr val="accent1"/>
-              </a:buClr>
-              <a:buFont typeface="Arial" panose="020B0604020202020204" pitchFamily="34" charset="0"/>
-              <a:buChar char="•"/>
-            </a:pPr>
-            <a:r>
-              <a:rPr lang="en-US" sz="2400" dirty="0"/>
-              <a:t>Future plans</a:t>
+              <a:t>Overall Verification</a:t>
             </a:r>
           </a:p>
         </p:txBody>
       </p:sp>
+      <p:pic>
+        <p:nvPicPr>
+          <p:cNvPr id="4" name="Picture 2">
+            <a:extLst>
+              <a:ext uri="{FF2B5EF4-FFF2-40B4-BE49-F238E27FC236}">
+                <a16:creationId xmlns:a16="http://schemas.microsoft.com/office/drawing/2014/main" id="{B13CA9CE-58C9-2784-6432-DAAB1972F9E1}"/>
+              </a:ext>
+            </a:extLst>
+          </p:cNvPr>
+          <p:cNvPicPr>
+            <a:picLocks noChangeAspect="1" noChangeArrowheads="1"/>
+          </p:cNvPicPr>
+          <p:nvPr/>
+        </p:nvPicPr>
+        <p:blipFill>
+          <a:blip r:embed="rId2">
+            <a:extLst>
+              <a:ext uri="{28A0092B-C50C-407E-A947-70E740481C1C}">
+                <a14:useLocalDpi xmlns:a14="http://schemas.microsoft.com/office/drawing/2010/main" val="0"/>
+              </a:ext>
+            </a:extLst>
+          </a:blip>
+          <a:srcRect/>
+          <a:stretch>
+            <a:fillRect/>
+          </a:stretch>
+        </p:blipFill>
+        <p:spPr bwMode="auto">
+          <a:xfrm>
+            <a:off x="4360772" y="1018902"/>
+            <a:ext cx="7699466" cy="5747657"/>
+          </a:xfrm>
+          <a:prstGeom prst="rect">
+            <a:avLst/>
+          </a:prstGeom>
+          <a:noFill/>
+          <a:extLst>
+            <a:ext uri="{909E8E84-426E-40DD-AFC4-6F175D3DCCD1}">
+              <a14:hiddenFill xmlns:a14="http://schemas.microsoft.com/office/drawing/2010/main">
+                <a:solidFill>
+                  <a:srgbClr val="FFFFFF"/>
+                </a:solidFill>
+              </a14:hiddenFill>
+            </a:ext>
+          </a:extLst>
+        </p:spPr>
+      </p:pic>
     </p:spTree>
     <p:extLst>
       <p:ext uri="{BB962C8B-B14F-4D97-AF65-F5344CB8AC3E}">
